--- a/figs/figs.pptx
+++ b/figs/figs.pptx
@@ -11,6 +11,8 @@
     <p:sldId id="259" r:id="rId5"/>
     <p:sldId id="260" r:id="rId6"/>
     <p:sldId id="261" r:id="rId7"/>
+    <p:sldId id="262" r:id="rId8"/>
+    <p:sldId id="263" r:id="rId9"/>
   </p:sldIdLst>
   <p:sldSz cx="12192000" cy="6858000"/>
   <p:notesSz cx="6858000" cy="9144000"/>
@@ -109,6 +111,11 @@
       </a:defRPr>
     </a:lvl9pPr>
   </p:defaultTextStyle>
+  <p:extLst>
+    <p:ext uri="{EFAFB233-063F-42B5-8137-9DF3F51BA10A}">
+      <p15:sldGuideLst xmlns:p15="http://schemas.microsoft.com/office/powerpoint/2012/main"/>
+    </p:ext>
+  </p:extLst>
 </p:presentation>
 </file>
 
@@ -4769,6 +4776,309 @@
 </p:sld>
 </file>
 
+<file path=ppt/slides/slide7.xml><?xml version="1.0" encoding="utf-8"?>
+<p:sld xmlns:a="http://schemas.openxmlformats.org/drawingml/2006/main" xmlns:r="http://schemas.openxmlformats.org/officeDocument/2006/relationships" xmlns:p="http://schemas.openxmlformats.org/presentationml/2006/main">
+  <p:cSld>
+    <p:spTree>
+      <p:nvGrpSpPr>
+        <p:cNvPr id="1" name=""/>
+        <p:cNvGrpSpPr/>
+        <p:nvPr/>
+      </p:nvGrpSpPr>
+      <p:grpSpPr>
+        <a:xfrm>
+          <a:off x="0" y="0"/>
+          <a:ext cx="0" cy="0"/>
+          <a:chOff x="0" y="0"/>
+          <a:chExt cx="0" cy="0"/>
+        </a:xfrm>
+      </p:grpSpPr>
+      <p:pic>
+        <p:nvPicPr>
+          <p:cNvPr id="3" name="図 2">
+            <a:extLst>
+              <a:ext uri="{FF2B5EF4-FFF2-40B4-BE49-F238E27FC236}">
+                <a16:creationId xmlns:a16="http://schemas.microsoft.com/office/drawing/2014/main" id="{F1CBF456-D0E9-2A74-419E-732F783EB888}"/>
+              </a:ext>
+            </a:extLst>
+          </p:cNvPr>
+          <p:cNvPicPr>
+            <a:picLocks noChangeAspect="1"/>
+          </p:cNvPicPr>
+          <p:nvPr/>
+        </p:nvPicPr>
+        <p:blipFill>
+          <a:blip r:embed="rId2"/>
+          <a:stretch>
+            <a:fillRect/>
+          </a:stretch>
+        </p:blipFill>
+        <p:spPr>
+          <a:xfrm>
+            <a:off x="534222" y="3098201"/>
+            <a:ext cx="5561778" cy="1215241"/>
+          </a:xfrm>
+          <a:prstGeom prst="rect">
+            <a:avLst/>
+          </a:prstGeom>
+        </p:spPr>
+      </p:pic>
+      <p:sp>
+        <p:nvSpPr>
+          <p:cNvPr id="4" name="円/楕円 3">
+            <a:extLst>
+              <a:ext uri="{FF2B5EF4-FFF2-40B4-BE49-F238E27FC236}">
+                <a16:creationId xmlns:a16="http://schemas.microsoft.com/office/drawing/2014/main" id="{2D1BAB88-8B42-C3EE-2ADC-B49E436FBA06}"/>
+              </a:ext>
+            </a:extLst>
+          </p:cNvPr>
+          <p:cNvSpPr/>
+          <p:nvPr/>
+        </p:nvSpPr>
+        <p:spPr>
+          <a:xfrm>
+            <a:off x="1617371" y="3203088"/>
+            <a:ext cx="1964926" cy="451823"/>
+          </a:xfrm>
+          <a:prstGeom prst="ellipse">
+            <a:avLst/>
+          </a:prstGeom>
+          <a:noFill/>
+          <a:ln w="38100">
+            <a:solidFill>
+              <a:srgbClr val="FF0000"/>
+            </a:solidFill>
+          </a:ln>
+        </p:spPr>
+        <p:style>
+          <a:lnRef idx="2">
+            <a:schemeClr val="accent1">
+              <a:shade val="50000"/>
+            </a:schemeClr>
+          </a:lnRef>
+          <a:fillRef idx="1">
+            <a:schemeClr val="accent1"/>
+          </a:fillRef>
+          <a:effectRef idx="0">
+            <a:schemeClr val="accent1"/>
+          </a:effectRef>
+          <a:fontRef idx="minor">
+            <a:schemeClr val="lt1"/>
+          </a:fontRef>
+        </p:style>
+        <p:txBody>
+          <a:bodyPr rtlCol="0" anchor="ctr"/>
+          <a:lstStyle/>
+          <a:p>
+            <a:pPr algn="ctr"/>
+            <a:endParaRPr kumimoji="1" lang="ja-JP" altLang="en-US"/>
+          </a:p>
+        </p:txBody>
+      </p:sp>
+      <p:sp>
+        <p:nvSpPr>
+          <p:cNvPr id="5" name="円/楕円 4">
+            <a:extLst>
+              <a:ext uri="{FF2B5EF4-FFF2-40B4-BE49-F238E27FC236}">
+                <a16:creationId xmlns:a16="http://schemas.microsoft.com/office/drawing/2014/main" id="{14493704-0C1D-8851-2A2A-243786B6643C}"/>
+              </a:ext>
+            </a:extLst>
+          </p:cNvPr>
+          <p:cNvSpPr/>
+          <p:nvPr/>
+        </p:nvSpPr>
+        <p:spPr>
+          <a:xfrm>
+            <a:off x="2425987" y="3912717"/>
+            <a:ext cx="1964926" cy="451823"/>
+          </a:xfrm>
+          <a:prstGeom prst="ellipse">
+            <a:avLst/>
+          </a:prstGeom>
+          <a:noFill/>
+          <a:ln w="38100">
+            <a:solidFill>
+              <a:srgbClr val="FF0000"/>
+            </a:solidFill>
+          </a:ln>
+        </p:spPr>
+        <p:style>
+          <a:lnRef idx="2">
+            <a:schemeClr val="accent1">
+              <a:shade val="50000"/>
+            </a:schemeClr>
+          </a:lnRef>
+          <a:fillRef idx="1">
+            <a:schemeClr val="accent1"/>
+          </a:fillRef>
+          <a:effectRef idx="0">
+            <a:schemeClr val="accent1"/>
+          </a:effectRef>
+          <a:fontRef idx="minor">
+            <a:schemeClr val="lt1"/>
+          </a:fontRef>
+        </p:style>
+        <p:txBody>
+          <a:bodyPr rtlCol="0" anchor="ctr"/>
+          <a:lstStyle/>
+          <a:p>
+            <a:pPr algn="ctr"/>
+            <a:endParaRPr kumimoji="1" lang="ja-JP" altLang="en-US"/>
+          </a:p>
+        </p:txBody>
+      </p:sp>
+    </p:spTree>
+    <p:extLst>
+      <p:ext uri="{BB962C8B-B14F-4D97-AF65-F5344CB8AC3E}">
+        <p14:creationId xmlns:p14="http://schemas.microsoft.com/office/powerpoint/2010/main" val="3397609924"/>
+      </p:ext>
+    </p:extLst>
+  </p:cSld>
+  <p:clrMapOvr>
+    <a:masterClrMapping/>
+  </p:clrMapOvr>
+</p:sld>
+</file>
+
+<file path=ppt/slides/slide8.xml><?xml version="1.0" encoding="utf-8"?>
+<p:sld xmlns:a="http://schemas.openxmlformats.org/drawingml/2006/main" xmlns:r="http://schemas.openxmlformats.org/officeDocument/2006/relationships" xmlns:p="http://schemas.openxmlformats.org/presentationml/2006/main">
+  <p:cSld>
+    <p:spTree>
+      <p:nvGrpSpPr>
+        <p:cNvPr id="1" name=""/>
+        <p:cNvGrpSpPr/>
+        <p:nvPr/>
+      </p:nvGrpSpPr>
+      <p:grpSpPr>
+        <a:xfrm>
+          <a:off x="0" y="0"/>
+          <a:ext cx="0" cy="0"/>
+          <a:chOff x="0" y="0"/>
+          <a:chExt cx="0" cy="0"/>
+        </a:xfrm>
+      </p:grpSpPr>
+      <p:pic>
+        <p:nvPicPr>
+          <p:cNvPr id="2" name="図 1">
+            <a:extLst>
+              <a:ext uri="{FF2B5EF4-FFF2-40B4-BE49-F238E27FC236}">
+                <a16:creationId xmlns:a16="http://schemas.microsoft.com/office/drawing/2014/main" id="{044F5572-C985-7AE6-A1A0-1662AC69CD86}"/>
+              </a:ext>
+            </a:extLst>
+          </p:cNvPr>
+          <p:cNvPicPr>
+            <a:picLocks noChangeAspect="1"/>
+          </p:cNvPicPr>
+          <p:nvPr/>
+        </p:nvPicPr>
+        <p:blipFill>
+          <a:blip r:embed="rId2"/>
+          <a:stretch>
+            <a:fillRect/>
+          </a:stretch>
+        </p:blipFill>
+        <p:spPr>
+          <a:xfrm>
+            <a:off x="1465628" y="2041264"/>
+            <a:ext cx="3399345" cy="3240000"/>
+          </a:xfrm>
+          <a:prstGeom prst="rect">
+            <a:avLst/>
+          </a:prstGeom>
+        </p:spPr>
+      </p:pic>
+      <p:pic>
+        <p:nvPicPr>
+          <p:cNvPr id="4" name="図 3">
+            <a:extLst>
+              <a:ext uri="{FF2B5EF4-FFF2-40B4-BE49-F238E27FC236}">
+                <a16:creationId xmlns:a16="http://schemas.microsoft.com/office/drawing/2014/main" id="{A1FFAB41-4C2F-305D-EE29-B870BD15DC17}"/>
+              </a:ext>
+            </a:extLst>
+          </p:cNvPr>
+          <p:cNvPicPr>
+            <a:picLocks noChangeAspect="1"/>
+          </p:cNvPicPr>
+          <p:nvPr/>
+        </p:nvPicPr>
+        <p:blipFill>
+          <a:blip r:embed="rId3"/>
+          <a:stretch>
+            <a:fillRect/>
+          </a:stretch>
+        </p:blipFill>
+        <p:spPr>
+          <a:xfrm>
+            <a:off x="5837819" y="2041264"/>
+            <a:ext cx="3377423" cy="3240000"/>
+          </a:xfrm>
+          <a:prstGeom prst="rect">
+            <a:avLst/>
+          </a:prstGeom>
+        </p:spPr>
+      </p:pic>
+      <p:sp>
+        <p:nvSpPr>
+          <p:cNvPr id="5" name="右矢印 4">
+            <a:extLst>
+              <a:ext uri="{FF2B5EF4-FFF2-40B4-BE49-F238E27FC236}">
+                <a16:creationId xmlns:a16="http://schemas.microsoft.com/office/drawing/2014/main" id="{B997DA6E-A5A5-24E9-4605-68B11B836CBC}"/>
+              </a:ext>
+            </a:extLst>
+          </p:cNvPr>
+          <p:cNvSpPr/>
+          <p:nvPr/>
+        </p:nvSpPr>
+        <p:spPr>
+          <a:xfrm>
+            <a:off x="5163670" y="3238052"/>
+            <a:ext cx="494851" cy="570156"/>
+          </a:xfrm>
+          <a:prstGeom prst="rightArrow">
+            <a:avLst/>
+          </a:prstGeom>
+          <a:ln>
+            <a:noFill/>
+          </a:ln>
+        </p:spPr>
+        <p:style>
+          <a:lnRef idx="2">
+            <a:schemeClr val="accent1">
+              <a:shade val="50000"/>
+            </a:schemeClr>
+          </a:lnRef>
+          <a:fillRef idx="1">
+            <a:schemeClr val="accent1"/>
+          </a:fillRef>
+          <a:effectRef idx="0">
+            <a:schemeClr val="accent1"/>
+          </a:effectRef>
+          <a:fontRef idx="minor">
+            <a:schemeClr val="lt1"/>
+          </a:fontRef>
+        </p:style>
+        <p:txBody>
+          <a:bodyPr rtlCol="0" anchor="ctr"/>
+          <a:lstStyle/>
+          <a:p>
+            <a:pPr algn="ctr"/>
+            <a:endParaRPr kumimoji="1" lang="ja-JP" altLang="en-US"/>
+          </a:p>
+        </p:txBody>
+      </p:sp>
+    </p:spTree>
+    <p:extLst>
+      <p:ext uri="{BB962C8B-B14F-4D97-AF65-F5344CB8AC3E}">
+        <p14:creationId xmlns:p14="http://schemas.microsoft.com/office/powerpoint/2010/main" val="428708265"/>
+      </p:ext>
+    </p:extLst>
+  </p:cSld>
+  <p:clrMapOvr>
+    <a:masterClrMapping/>
+  </p:clrMapOvr>
+</p:sld>
+</file>
+
 <file path=ppt/theme/theme1.xml><?xml version="1.0" encoding="utf-8"?>
 <a:theme xmlns:a="http://schemas.openxmlformats.org/drawingml/2006/main" name="Office テーマ">
   <a:themeElements>

--- a/figs/figs.pptx
+++ b/figs/figs.pptx
@@ -13,6 +13,7 @@
     <p:sldId id="261" r:id="rId7"/>
     <p:sldId id="262" r:id="rId8"/>
     <p:sldId id="263" r:id="rId9"/>
+    <p:sldId id="264" r:id="rId10"/>
   </p:sldIdLst>
   <p:sldSz cx="12192000" cy="6858000"/>
   <p:notesSz cx="6858000" cy="9144000"/>
@@ -4979,7 +4980,7 @@
         </p:blipFill>
         <p:spPr>
           <a:xfrm>
-            <a:off x="1465628" y="2041264"/>
+            <a:off x="1831388" y="621255"/>
             <a:ext cx="3399345" cy="3240000"/>
           </a:xfrm>
           <a:prstGeom prst="rect">
@@ -5009,7 +5010,7 @@
         </p:blipFill>
         <p:spPr>
           <a:xfrm>
-            <a:off x="5837819" y="2041264"/>
+            <a:off x="6203579" y="621255"/>
             <a:ext cx="3377423" cy="3240000"/>
           </a:xfrm>
           <a:prstGeom prst="rect">
@@ -5031,7 +5032,7 @@
         </p:nvSpPr>
         <p:spPr>
           <a:xfrm>
-            <a:off x="5163670" y="3238052"/>
+            <a:off x="5529430" y="1818043"/>
             <a:ext cx="494851" cy="570156"/>
           </a:xfrm>
           <a:prstGeom prst="rightArrow">
@@ -5070,6 +5071,200 @@
     <p:extLst>
       <p:ext uri="{BB962C8B-B14F-4D97-AF65-F5344CB8AC3E}">
         <p14:creationId xmlns:p14="http://schemas.microsoft.com/office/powerpoint/2010/main" val="428708265"/>
+      </p:ext>
+    </p:extLst>
+  </p:cSld>
+  <p:clrMapOvr>
+    <a:masterClrMapping/>
+  </p:clrMapOvr>
+</p:sld>
+</file>
+
+<file path=ppt/slides/slide9.xml><?xml version="1.0" encoding="utf-8"?>
+<p:sld xmlns:a="http://schemas.openxmlformats.org/drawingml/2006/main" xmlns:r="http://schemas.openxmlformats.org/officeDocument/2006/relationships" xmlns:p="http://schemas.openxmlformats.org/presentationml/2006/main">
+  <p:cSld>
+    <p:spTree>
+      <p:nvGrpSpPr>
+        <p:cNvPr id="1" name=""/>
+        <p:cNvGrpSpPr/>
+        <p:nvPr/>
+      </p:nvGrpSpPr>
+      <p:grpSpPr>
+        <a:xfrm>
+          <a:off x="0" y="0"/>
+          <a:ext cx="0" cy="0"/>
+          <a:chOff x="0" y="0"/>
+          <a:chExt cx="0" cy="0"/>
+        </a:xfrm>
+      </p:grpSpPr>
+      <p:pic>
+        <p:nvPicPr>
+          <p:cNvPr id="2" name="図 1">
+            <a:extLst>
+              <a:ext uri="{FF2B5EF4-FFF2-40B4-BE49-F238E27FC236}">
+                <a16:creationId xmlns:a16="http://schemas.microsoft.com/office/drawing/2014/main" id="{A77E4D39-BECB-7653-90A6-47725FC7B94B}"/>
+              </a:ext>
+            </a:extLst>
+          </p:cNvPr>
+          <p:cNvPicPr>
+            <a:picLocks noChangeAspect="1"/>
+          </p:cNvPicPr>
+          <p:nvPr/>
+        </p:nvPicPr>
+        <p:blipFill>
+          <a:blip r:embed="rId2"/>
+          <a:stretch>
+            <a:fillRect/>
+          </a:stretch>
+        </p:blipFill>
+        <p:spPr>
+          <a:xfrm>
+            <a:off x="351790" y="1343571"/>
+            <a:ext cx="3348516" cy="2364133"/>
+          </a:xfrm>
+          <a:prstGeom prst="rect">
+            <a:avLst/>
+          </a:prstGeom>
+        </p:spPr>
+      </p:pic>
+      <p:pic>
+        <p:nvPicPr>
+          <p:cNvPr id="4" name="図 3">
+            <a:extLst>
+              <a:ext uri="{FF2B5EF4-FFF2-40B4-BE49-F238E27FC236}">
+                <a16:creationId xmlns:a16="http://schemas.microsoft.com/office/drawing/2014/main" id="{40EAF343-70F6-9D13-7CF9-0B5CEAF78CC3}"/>
+              </a:ext>
+            </a:extLst>
+          </p:cNvPr>
+          <p:cNvPicPr>
+            <a:picLocks noChangeAspect="1"/>
+          </p:cNvPicPr>
+          <p:nvPr/>
+        </p:nvPicPr>
+        <p:blipFill>
+          <a:blip r:embed="rId3"/>
+          <a:stretch>
+            <a:fillRect/>
+          </a:stretch>
+        </p:blipFill>
+        <p:spPr>
+          <a:xfrm>
+            <a:off x="4131563" y="742322"/>
+            <a:ext cx="7668571" cy="4005043"/>
+          </a:xfrm>
+          <a:prstGeom prst="rect">
+            <a:avLst/>
+          </a:prstGeom>
+        </p:spPr>
+      </p:pic>
+      <p:sp>
+        <p:nvSpPr>
+          <p:cNvPr id="5" name="円/楕円 4">
+            <a:extLst>
+              <a:ext uri="{FF2B5EF4-FFF2-40B4-BE49-F238E27FC236}">
+                <a16:creationId xmlns:a16="http://schemas.microsoft.com/office/drawing/2014/main" id="{2765A0B5-EF1B-B813-DAD1-733C5B319684}"/>
+              </a:ext>
+            </a:extLst>
+          </p:cNvPr>
+          <p:cNvSpPr/>
+          <p:nvPr/>
+        </p:nvSpPr>
+        <p:spPr>
+          <a:xfrm>
+            <a:off x="783578" y="3014755"/>
+            <a:ext cx="1342070" cy="451823"/>
+          </a:xfrm>
+          <a:prstGeom prst="ellipse">
+            <a:avLst/>
+          </a:prstGeom>
+          <a:noFill/>
+          <a:ln w="38100">
+            <a:solidFill>
+              <a:srgbClr val="FF0000"/>
+            </a:solidFill>
+          </a:ln>
+        </p:spPr>
+        <p:style>
+          <a:lnRef idx="2">
+            <a:schemeClr val="accent1">
+              <a:shade val="50000"/>
+            </a:schemeClr>
+          </a:lnRef>
+          <a:fillRef idx="1">
+            <a:schemeClr val="accent1"/>
+          </a:fillRef>
+          <a:effectRef idx="0">
+            <a:schemeClr val="accent1"/>
+          </a:effectRef>
+          <a:fontRef idx="minor">
+            <a:schemeClr val="lt1"/>
+          </a:fontRef>
+        </p:style>
+        <p:txBody>
+          <a:bodyPr rtlCol="0" anchor="ctr"/>
+          <a:lstStyle/>
+          <a:p>
+            <a:pPr algn="ctr"/>
+            <a:endParaRPr kumimoji="1" lang="ja-JP" altLang="en-US"/>
+          </a:p>
+        </p:txBody>
+      </p:sp>
+      <p:sp>
+        <p:nvSpPr>
+          <p:cNvPr id="6" name="円/楕円 5">
+            <a:extLst>
+              <a:ext uri="{FF2B5EF4-FFF2-40B4-BE49-F238E27FC236}">
+                <a16:creationId xmlns:a16="http://schemas.microsoft.com/office/drawing/2014/main" id="{4F5828EE-9710-0237-A215-FC5E40670023}"/>
+              </a:ext>
+            </a:extLst>
+          </p:cNvPr>
+          <p:cNvSpPr/>
+          <p:nvPr/>
+        </p:nvSpPr>
+        <p:spPr>
+          <a:xfrm>
+            <a:off x="5507978" y="3240666"/>
+            <a:ext cx="3310345" cy="1443625"/>
+          </a:xfrm>
+          <a:prstGeom prst="ellipse">
+            <a:avLst/>
+          </a:prstGeom>
+          <a:noFill/>
+          <a:ln w="38100">
+            <a:solidFill>
+              <a:srgbClr val="FF0000"/>
+            </a:solidFill>
+          </a:ln>
+        </p:spPr>
+        <p:style>
+          <a:lnRef idx="2">
+            <a:schemeClr val="accent1">
+              <a:shade val="50000"/>
+            </a:schemeClr>
+          </a:lnRef>
+          <a:fillRef idx="1">
+            <a:schemeClr val="accent1"/>
+          </a:fillRef>
+          <a:effectRef idx="0">
+            <a:schemeClr val="accent1"/>
+          </a:effectRef>
+          <a:fontRef idx="minor">
+            <a:schemeClr val="lt1"/>
+          </a:fontRef>
+        </p:style>
+        <p:txBody>
+          <a:bodyPr rtlCol="0" anchor="ctr"/>
+          <a:lstStyle/>
+          <a:p>
+            <a:pPr algn="ctr"/>
+            <a:endParaRPr kumimoji="1" lang="ja-JP" altLang="en-US"/>
+          </a:p>
+        </p:txBody>
+      </p:sp>
+    </p:spTree>
+    <p:extLst>
+      <p:ext uri="{BB962C8B-B14F-4D97-AF65-F5344CB8AC3E}">
+        <p14:creationId xmlns:p14="http://schemas.microsoft.com/office/powerpoint/2010/main" val="747776973"/>
       </p:ext>
     </p:extLst>
   </p:cSld>
